--- a/Algorithm_Project.pptx
+++ b/Algorithm_Project.pptx
@@ -162,7 +162,6 @@
 <file path=ppt/revisionInfo.xml><?xml version="1.0" encoding="utf-8"?>
 <p1510:revInfo xmlns:a="http://schemas.openxmlformats.org/drawingml/2006/main" xmlns:r="http://schemas.openxmlformats.org/officeDocument/2006/relationships" xmlns:p1510="http://schemas.microsoft.com/office/powerpoint/2015/10/main">
   <p1510:revLst>
-    <p1510:client id="{5F61A7B3-DA5E-45BD-B8D0-5113ACD0C6D1}" v="14" dt="2025-04-22T15:17:39.502"/>
     <p1510:client id="{B17E4483-A9C5-4DEF-B347-D4E3CE9E483F}" v="3" dt="2025-04-22T21:11:58.367"/>
   </p1510:revLst>
 </p1510:revInfo>
@@ -173,18 +172,18 @@
   <pc:docChgLst>
     <pc:chgData name="Visesh Bentula" userId="5243385d4042bccd" providerId="LiveId" clId="{B17E4483-A9C5-4DEF-B347-D4E3CE9E483F}"/>
     <pc:docChg chg="undo redo custSel modSld">
-      <pc:chgData name="Visesh Bentula" userId="5243385d4042bccd" providerId="LiveId" clId="{B17E4483-A9C5-4DEF-B347-D4E3CE9E483F}" dt="2025-04-22T21:15:06.926" v="123" actId="12"/>
+      <pc:chgData name="Visesh Bentula" userId="5243385d4042bccd" providerId="LiveId" clId="{B17E4483-A9C5-4DEF-B347-D4E3CE9E483F}" dt="2025-05-05T21:58:09.237" v="124" actId="1076"/>
       <pc:docMkLst>
         <pc:docMk/>
       </pc:docMkLst>
       <pc:sldChg chg="addSp modSp mod">
-        <pc:chgData name="Visesh Bentula" userId="5243385d4042bccd" providerId="LiveId" clId="{B17E4483-A9C5-4DEF-B347-D4E3CE9E483F}" dt="2025-04-22T20:29:20.001" v="59" actId="1076"/>
+        <pc:chgData name="Visesh Bentula" userId="5243385d4042bccd" providerId="LiveId" clId="{B17E4483-A9C5-4DEF-B347-D4E3CE9E483F}" dt="2025-05-05T21:58:09.237" v="124" actId="1076"/>
         <pc:sldMkLst>
           <pc:docMk/>
           <pc:sldMk cId="0" sldId="264"/>
         </pc:sldMkLst>
         <pc:spChg chg="mod">
-          <ac:chgData name="Visesh Bentula" userId="5243385d4042bccd" providerId="LiveId" clId="{B17E4483-A9C5-4DEF-B347-D4E3CE9E483F}" dt="2025-04-22T20:28:16.642" v="2" actId="1076"/>
+          <ac:chgData name="Visesh Bentula" userId="5243385d4042bccd" providerId="LiveId" clId="{B17E4483-A9C5-4DEF-B347-D4E3CE9E483F}" dt="2025-05-05T21:58:09.237" v="124" actId="1076"/>
           <ac:spMkLst>
             <pc:docMk/>
             <pc:sldMk cId="0" sldId="264"/>
@@ -270,22 +269,6 @@
             <ac:spMk id="25" creationId="{00000000-0000-0000-0000-000000000000}"/>
           </ac:spMkLst>
         </pc:spChg>
-        <pc:spChg chg="add">
-          <ac:chgData name="Visesh Bentula" userId="5243385d4042bccd" providerId="LiveId" clId="{5F61A7B3-DA5E-45BD-B8D0-5113ACD0C6D1}" dt="2025-04-22T14:54:00.860" v="187"/>
-          <ac:spMkLst>
-            <pc:docMk/>
-            <pc:sldMk cId="0" sldId="258"/>
-            <ac:spMk id="26" creationId="{B5F036BC-F9F4-13C5-E61A-C00CE195B3F9}"/>
-          </ac:spMkLst>
-        </pc:spChg>
-        <pc:spChg chg="add mod">
-          <ac:chgData name="Visesh Bentula" userId="5243385d4042bccd" providerId="LiveId" clId="{5F61A7B3-DA5E-45BD-B8D0-5113ACD0C6D1}" dt="2025-04-22T14:54:06.011" v="189"/>
-          <ac:spMkLst>
-            <pc:docMk/>
-            <pc:sldMk cId="0" sldId="258"/>
-            <ac:spMk id="27" creationId="{A602899A-E041-C078-D72A-07C3D4C9A391}"/>
-          </ac:spMkLst>
-        </pc:spChg>
         <pc:grpChg chg="mod">
           <ac:chgData name="Visesh Bentula" userId="5243385d4042bccd" providerId="LiveId" clId="{5F61A7B3-DA5E-45BD-B8D0-5113ACD0C6D1}" dt="2025-04-22T14:51:52.209" v="149" actId="14100"/>
           <ac:grpSpMkLst>
@@ -325,14 +308,6 @@
           <pc:docMk/>
           <pc:sldMk cId="0" sldId="259"/>
         </pc:sldMkLst>
-        <pc:spChg chg="del">
-          <ac:chgData name="Visesh Bentula" userId="5243385d4042bccd" providerId="LiveId" clId="{5F61A7B3-DA5E-45BD-B8D0-5113ACD0C6D1}" dt="2025-04-22T14:45:16.314" v="34" actId="478"/>
-          <ac:spMkLst>
-            <pc:docMk/>
-            <pc:sldMk cId="0" sldId="259"/>
-            <ac:spMk id="11" creationId="{00000000-0000-0000-0000-000000000000}"/>
-          </ac:spMkLst>
-        </pc:spChg>
         <pc:spChg chg="mod">
           <ac:chgData name="Visesh Bentula" userId="5243385d4042bccd" providerId="LiveId" clId="{5F61A7B3-DA5E-45BD-B8D0-5113ACD0C6D1}" dt="2025-04-22T14:45:11.587" v="33" actId="20577"/>
           <ac:spMkLst>
@@ -347,14 +322,6 @@
             <pc:docMk/>
             <pc:sldMk cId="0" sldId="259"/>
             <ac:spMk id="13" creationId="{00000000-0000-0000-0000-000000000000}"/>
-          </ac:spMkLst>
-        </pc:spChg>
-        <pc:spChg chg="del mod">
-          <ac:chgData name="Visesh Bentula" userId="5243385d4042bccd" providerId="LiveId" clId="{5F61A7B3-DA5E-45BD-B8D0-5113ACD0C6D1}" dt="2025-04-22T14:46:21.655" v="108"/>
-          <ac:spMkLst>
-            <pc:docMk/>
-            <pc:sldMk cId="0" sldId="259"/>
-            <ac:spMk id="14" creationId="{00000000-0000-0000-0000-000000000000}"/>
           </ac:spMkLst>
         </pc:spChg>
         <pc:picChg chg="add mod">
@@ -411,30 +378,6 @@
             <ac:spMk id="12" creationId="{00000000-0000-0000-0000-000000000000}"/>
           </ac:spMkLst>
         </pc:spChg>
-        <pc:spChg chg="add del mod">
-          <ac:chgData name="Visesh Bentula" userId="5243385d4042bccd" providerId="LiveId" clId="{5F61A7B3-DA5E-45BD-B8D0-5113ACD0C6D1}" dt="2025-04-22T15:06:24.479" v="409" actId="21"/>
-          <ac:spMkLst>
-            <pc:docMk/>
-            <pc:sldMk cId="0" sldId="261"/>
-            <ac:spMk id="13" creationId="{00000000-0000-0000-0000-000000000000}"/>
-          </ac:spMkLst>
-        </pc:spChg>
-        <pc:spChg chg="del mod">
-          <ac:chgData name="Visesh Bentula" userId="5243385d4042bccd" providerId="LiveId" clId="{5F61A7B3-DA5E-45BD-B8D0-5113ACD0C6D1}" dt="2025-04-22T15:02:23.750" v="268"/>
-          <ac:spMkLst>
-            <pc:docMk/>
-            <pc:sldMk cId="0" sldId="261"/>
-            <ac:spMk id="14" creationId="{00000000-0000-0000-0000-000000000000}"/>
-          </ac:spMkLst>
-        </pc:spChg>
-        <pc:spChg chg="del mod">
-          <ac:chgData name="Visesh Bentula" userId="5243385d4042bccd" providerId="LiveId" clId="{5F61A7B3-DA5E-45BD-B8D0-5113ACD0C6D1}" dt="2025-04-22T15:04:13.220" v="307"/>
-          <ac:spMkLst>
-            <pc:docMk/>
-            <pc:sldMk cId="0" sldId="261"/>
-            <ac:spMk id="15" creationId="{00000000-0000-0000-0000-000000000000}"/>
-          </ac:spMkLst>
-        </pc:spChg>
         <pc:spChg chg="mod">
           <ac:chgData name="Visesh Bentula" userId="5243385d4042bccd" providerId="LiveId" clId="{5F61A7B3-DA5E-45BD-B8D0-5113ACD0C6D1}" dt="2025-04-22T15:01:46.084" v="239"/>
           <ac:spMkLst>
@@ -449,14 +392,6 @@
             <pc:docMk/>
             <pc:sldMk cId="0" sldId="261"/>
             <ac:spMk id="18" creationId="{85FB46E2-14AF-E123-530A-E203E0FEBDC4}"/>
-          </ac:spMkLst>
-        </pc:spChg>
-        <pc:spChg chg="add del">
-          <ac:chgData name="Visesh Bentula" userId="5243385d4042bccd" providerId="LiveId" clId="{5F61A7B3-DA5E-45BD-B8D0-5113ACD0C6D1}" dt="2025-04-22T15:02:26.008" v="270" actId="22"/>
-          <ac:spMkLst>
-            <pc:docMk/>
-            <pc:sldMk cId="0" sldId="261"/>
-            <ac:spMk id="20" creationId="{D2A0801F-8D54-B069-6A12-32A260A53C89}"/>
           </ac:spMkLst>
         </pc:spChg>
         <pc:spChg chg="add mod">
@@ -491,14 +426,6 @@
             <ac:spMk id="24" creationId="{00DE94C2-7DCE-C6E4-8701-24DD39055C9A}"/>
           </ac:spMkLst>
         </pc:spChg>
-        <pc:spChg chg="add del mod">
-          <ac:chgData name="Visesh Bentula" userId="5243385d4042bccd" providerId="LiveId" clId="{5F61A7B3-DA5E-45BD-B8D0-5113ACD0C6D1}" dt="2025-04-22T15:06:20.141" v="408" actId="21"/>
-          <ac:spMkLst>
-            <pc:docMk/>
-            <pc:sldMk cId="0" sldId="261"/>
-            <ac:spMk id="25" creationId="{4DE15945-5CC1-ECF3-4F8A-F9C59C304401}"/>
-          </ac:spMkLst>
-        </pc:spChg>
         <pc:grpChg chg="mod">
           <ac:chgData name="Visesh Bentula" userId="5243385d4042bccd" providerId="LiveId" clId="{5F61A7B3-DA5E-45BD-B8D0-5113ACD0C6D1}" dt="2025-04-22T15:06:36.021" v="411" actId="1076"/>
           <ac:grpSpMkLst>
@@ -530,14 +457,6 @@
           <pc:docMk/>
           <pc:sldMk cId="0" sldId="265"/>
         </pc:sldMkLst>
-        <pc:spChg chg="del">
-          <ac:chgData name="Visesh Bentula" userId="5243385d4042bccd" providerId="LiveId" clId="{5F61A7B3-DA5E-45BD-B8D0-5113ACD0C6D1}" dt="2025-04-22T20:16:55.864" v="772" actId="478"/>
-          <ac:spMkLst>
-            <pc:docMk/>
-            <pc:sldMk cId="0" sldId="265"/>
-            <ac:spMk id="12" creationId="{00000000-0000-0000-0000-000000000000}"/>
-          </ac:spMkLst>
-        </pc:spChg>
         <pc:spChg chg="mod">
           <ac:chgData name="Visesh Bentula" userId="5243385d4042bccd" providerId="LiveId" clId="{5F61A7B3-DA5E-45BD-B8D0-5113ACD0C6D1}" dt="2025-04-22T20:17:13.520" v="777" actId="1076"/>
           <ac:spMkLst>
@@ -562,14 +481,6 @@
             <ac:grpSpMk id="9" creationId="{00000000-0000-0000-0000-000000000000}"/>
           </ac:grpSpMkLst>
         </pc:grpChg>
-        <pc:picChg chg="add del mod">
-          <ac:chgData name="Visesh Bentula" userId="5243385d4042bccd" providerId="LiveId" clId="{5F61A7B3-DA5E-45BD-B8D0-5113ACD0C6D1}" dt="2025-04-22T20:23:12.545" v="808" actId="478"/>
-          <ac:picMkLst>
-            <pc:docMk/>
-            <pc:sldMk cId="0" sldId="265"/>
-            <ac:picMk id="15" creationId="{52BF88F7-56AD-711A-2D54-6DAF864EDB1E}"/>
-          </ac:picMkLst>
-        </pc:picChg>
         <pc:picChg chg="add mod">
           <ac:chgData name="Visesh Bentula" userId="5243385d4042bccd" providerId="LiveId" clId="{5F61A7B3-DA5E-45BD-B8D0-5113ACD0C6D1}" dt="2025-04-22T20:23:26.115" v="814" actId="1076"/>
           <ac:picMkLst>
@@ -585,14 +496,6 @@
           <pc:docMk/>
           <pc:sldMk cId="0" sldId="266"/>
         </pc:sldMkLst>
-        <pc:spChg chg="del">
-          <ac:chgData name="Visesh Bentula" userId="5243385d4042bccd" providerId="LiveId" clId="{5F61A7B3-DA5E-45BD-B8D0-5113ACD0C6D1}" dt="2025-04-22T20:17:44.050" v="781" actId="478"/>
-          <ac:spMkLst>
-            <pc:docMk/>
-            <pc:sldMk cId="0" sldId="266"/>
-            <ac:spMk id="12" creationId="{00000000-0000-0000-0000-000000000000}"/>
-          </ac:spMkLst>
-        </pc:spChg>
         <pc:spChg chg="mod">
           <ac:chgData name="Visesh Bentula" userId="5243385d4042bccd" providerId="LiveId" clId="{5F61A7B3-DA5E-45BD-B8D0-5113ACD0C6D1}" dt="2025-04-22T15:08:43.014" v="430" actId="14100"/>
           <ac:spMkLst>
@@ -616,14 +519,6 @@
           <pc:docMk/>
           <pc:sldMk cId="0" sldId="267"/>
         </pc:sldMkLst>
-        <pc:spChg chg="del">
-          <ac:chgData name="Visesh Bentula" userId="5243385d4042bccd" providerId="LiveId" clId="{5F61A7B3-DA5E-45BD-B8D0-5113ACD0C6D1}" dt="2025-04-22T20:18:08.375" v="786" actId="478"/>
-          <ac:spMkLst>
-            <pc:docMk/>
-            <pc:sldMk cId="0" sldId="267"/>
-            <ac:spMk id="12" creationId="{00000000-0000-0000-0000-000000000000}"/>
-          </ac:spMkLst>
-        </pc:spChg>
         <pc:picChg chg="add mod">
           <ac:chgData name="Visesh Bentula" userId="5243385d4042bccd" providerId="LiveId" clId="{5F61A7B3-DA5E-45BD-B8D0-5113ACD0C6D1}" dt="2025-04-22T20:18:18.752" v="791" actId="1076"/>
           <ac:picMkLst>
@@ -639,22 +534,6 @@
           <pc:docMk/>
           <pc:sldMk cId="0" sldId="268"/>
         </pc:sldMkLst>
-        <pc:spChg chg="del">
-          <ac:chgData name="Visesh Bentula" userId="5243385d4042bccd" providerId="LiveId" clId="{5F61A7B3-DA5E-45BD-B8D0-5113ACD0C6D1}" dt="2025-04-22T20:22:06.637" v="792" actId="478"/>
-          <ac:spMkLst>
-            <pc:docMk/>
-            <pc:sldMk cId="0" sldId="268"/>
-            <ac:spMk id="12" creationId="{00000000-0000-0000-0000-000000000000}"/>
-          </ac:spMkLst>
-        </pc:spChg>
-        <pc:picChg chg="add del mod">
-          <ac:chgData name="Visesh Bentula" userId="5243385d4042bccd" providerId="LiveId" clId="{5F61A7B3-DA5E-45BD-B8D0-5113ACD0C6D1}" dt="2025-04-22T20:22:32.530" v="800" actId="478"/>
-          <ac:picMkLst>
-            <pc:docMk/>
-            <pc:sldMk cId="0" sldId="268"/>
-            <ac:picMk id="15" creationId="{4CE452C1-5E15-9A62-576B-DB689A8911CB}"/>
-          </ac:picMkLst>
-        </pc:picChg>
         <pc:picChg chg="add mod">
           <ac:chgData name="Visesh Bentula" userId="5243385d4042bccd" providerId="LiveId" clId="{5F61A7B3-DA5E-45BD-B8D0-5113ACD0C6D1}" dt="2025-04-22T20:22:44.929" v="807" actId="1076"/>
           <ac:picMkLst>
@@ -792,14 +671,6 @@
           <pc:docMk/>
           <pc:sldMk cId="1476109196" sldId="276"/>
         </pc:sldMkLst>
-        <pc:spChg chg="del">
-          <ac:chgData name="Visesh Bentula" userId="5243385d4042bccd" providerId="LiveId" clId="{5F61A7B3-DA5E-45BD-B8D0-5113ACD0C6D1}" dt="2025-04-22T15:10:37.181" v="450" actId="478"/>
-          <ac:spMkLst>
-            <pc:docMk/>
-            <pc:sldMk cId="1476109196" sldId="276"/>
-            <ac:spMk id="12" creationId="{BEBF8EC4-5C77-2518-8865-A60C0CCE1F52}"/>
-          </ac:spMkLst>
-        </pc:spChg>
         <pc:spChg chg="mod">
           <ac:chgData name="Visesh Bentula" userId="5243385d4042bccd" providerId="LiveId" clId="{5F61A7B3-DA5E-45BD-B8D0-5113ACD0C6D1}" dt="2025-04-22T15:17:19.449" v="543" actId="1076"/>
           <ac:spMkLst>
@@ -868,38 +739,6 @@
             <pc:docMk/>
             <pc:sldMk cId="3107783025" sldId="278"/>
             <ac:grpSpMk id="9" creationId="{CE4A9C55-36EB-ADBB-E810-07B2C025F05C}"/>
-          </ac:grpSpMkLst>
-        </pc:grpChg>
-        <pc:grpChg chg="del">
-          <ac:chgData name="Visesh Bentula" userId="5243385d4042bccd" providerId="LiveId" clId="{5F61A7B3-DA5E-45BD-B8D0-5113ACD0C6D1}" dt="2025-04-22T20:04:45.357" v="731" actId="478"/>
-          <ac:grpSpMkLst>
-            <pc:docMk/>
-            <pc:sldMk cId="3107783025" sldId="278"/>
-            <ac:grpSpMk id="12" creationId="{430A1C38-E53D-F991-2854-41930541D2CA}"/>
-          </ac:grpSpMkLst>
-        </pc:grpChg>
-        <pc:grpChg chg="del">
-          <ac:chgData name="Visesh Bentula" userId="5243385d4042bccd" providerId="LiveId" clId="{5F61A7B3-DA5E-45BD-B8D0-5113ACD0C6D1}" dt="2025-04-22T20:04:42.921" v="730" actId="478"/>
-          <ac:grpSpMkLst>
-            <pc:docMk/>
-            <pc:sldMk cId="3107783025" sldId="278"/>
-            <ac:grpSpMk id="17" creationId="{BC8235D9-16D4-F026-0808-45BCBB8EE1A3}"/>
-          </ac:grpSpMkLst>
-        </pc:grpChg>
-        <pc:grpChg chg="del">
-          <ac:chgData name="Visesh Bentula" userId="5243385d4042bccd" providerId="LiveId" clId="{5F61A7B3-DA5E-45BD-B8D0-5113ACD0C6D1}" dt="2025-04-22T20:04:40.663" v="729" actId="478"/>
-          <ac:grpSpMkLst>
-            <pc:docMk/>
-            <pc:sldMk cId="3107783025" sldId="278"/>
-            <ac:grpSpMk id="20" creationId="{D39278DB-9389-4D6E-FB9A-13ED571AB033}"/>
-          </ac:grpSpMkLst>
-        </pc:grpChg>
-        <pc:grpChg chg="del">
-          <ac:chgData name="Visesh Bentula" userId="5243385d4042bccd" providerId="LiveId" clId="{5F61A7B3-DA5E-45BD-B8D0-5113ACD0C6D1}" dt="2025-04-22T20:04:32.309" v="728" actId="478"/>
-          <ac:grpSpMkLst>
-            <pc:docMk/>
-            <pc:sldMk cId="3107783025" sldId="278"/>
-            <ac:grpSpMk id="23" creationId="{DFE5E1A5-1F14-492F-A518-F06FF6D2F71C}"/>
           </ac:grpSpMkLst>
         </pc:grpChg>
       </pc:sldChg>
@@ -1088,7 +927,7 @@
             <a:fld id="{1D8BD707-D9CF-40AE-B4C6-C98DA3205C09}" type="datetimeFigureOut">
               <a:rPr lang="en-US" smtClean="0"/>
               <a:pPr/>
-              <a:t>4/22/2025</a:t>
+              <a:t>5/5/2025</a:t>
             </a:fld>
             <a:endParaRPr lang="en-US"/>
           </a:p>
@@ -1253,7 +1092,7 @@
             <a:fld id="{1D8BD707-D9CF-40AE-B4C6-C98DA3205C09}" type="datetimeFigureOut">
               <a:rPr lang="en-US" smtClean="0"/>
               <a:pPr/>
-              <a:t>4/22/2025</a:t>
+              <a:t>5/5/2025</a:t>
             </a:fld>
             <a:endParaRPr lang="en-US"/>
           </a:p>
@@ -1428,7 +1267,7 @@
             <a:fld id="{1D8BD707-D9CF-40AE-B4C6-C98DA3205C09}" type="datetimeFigureOut">
               <a:rPr lang="en-US" smtClean="0"/>
               <a:pPr/>
-              <a:t>4/22/2025</a:t>
+              <a:t>5/5/2025</a:t>
             </a:fld>
             <a:endParaRPr lang="en-US"/>
           </a:p>
@@ -1593,7 +1432,7 @@
             <a:fld id="{1D8BD707-D9CF-40AE-B4C6-C98DA3205C09}" type="datetimeFigureOut">
               <a:rPr lang="en-US" smtClean="0"/>
               <a:pPr/>
-              <a:t>4/22/2025</a:t>
+              <a:t>5/5/2025</a:t>
             </a:fld>
             <a:endParaRPr lang="en-US"/>
           </a:p>
@@ -1835,7 +1674,7 @@
             <a:fld id="{1D8BD707-D9CF-40AE-B4C6-C98DA3205C09}" type="datetimeFigureOut">
               <a:rPr lang="en-US" smtClean="0"/>
               <a:pPr/>
-              <a:t>4/22/2025</a:t>
+              <a:t>5/5/2025</a:t>
             </a:fld>
             <a:endParaRPr lang="en-US"/>
           </a:p>
@@ -2117,7 +1956,7 @@
             <a:fld id="{1D8BD707-D9CF-40AE-B4C6-C98DA3205C09}" type="datetimeFigureOut">
               <a:rPr lang="en-US" smtClean="0"/>
               <a:pPr/>
-              <a:t>4/22/2025</a:t>
+              <a:t>5/5/2025</a:t>
             </a:fld>
             <a:endParaRPr lang="en-US"/>
           </a:p>
@@ -2533,7 +2372,7 @@
             <a:fld id="{1D8BD707-D9CF-40AE-B4C6-C98DA3205C09}" type="datetimeFigureOut">
               <a:rPr lang="en-US" smtClean="0"/>
               <a:pPr/>
-              <a:t>4/22/2025</a:t>
+              <a:t>5/5/2025</a:t>
             </a:fld>
             <a:endParaRPr lang="en-US"/>
           </a:p>
@@ -2647,7 +2486,7 @@
             <a:fld id="{1D8BD707-D9CF-40AE-B4C6-C98DA3205C09}" type="datetimeFigureOut">
               <a:rPr lang="en-US" smtClean="0"/>
               <a:pPr/>
-              <a:t>4/22/2025</a:t>
+              <a:t>5/5/2025</a:t>
             </a:fld>
             <a:endParaRPr lang="en-US"/>
           </a:p>
@@ -2739,7 +2578,7 @@
             <a:fld id="{1D8BD707-D9CF-40AE-B4C6-C98DA3205C09}" type="datetimeFigureOut">
               <a:rPr lang="en-US" smtClean="0"/>
               <a:pPr/>
-              <a:t>4/22/2025</a:t>
+              <a:t>5/5/2025</a:t>
             </a:fld>
             <a:endParaRPr lang="en-US"/>
           </a:p>
@@ -3011,7 +2850,7 @@
             <a:fld id="{1D8BD707-D9CF-40AE-B4C6-C98DA3205C09}" type="datetimeFigureOut">
               <a:rPr lang="en-US" smtClean="0"/>
               <a:pPr/>
-              <a:t>4/22/2025</a:t>
+              <a:t>5/5/2025</a:t>
             </a:fld>
             <a:endParaRPr lang="en-US"/>
           </a:p>
@@ -3260,7 +3099,7 @@
             <a:fld id="{1D8BD707-D9CF-40AE-B4C6-C98DA3205C09}" type="datetimeFigureOut">
               <a:rPr lang="en-US" smtClean="0"/>
               <a:pPr/>
-              <a:t>4/22/2025</a:t>
+              <a:t>5/5/2025</a:t>
             </a:fld>
             <a:endParaRPr lang="en-US"/>
           </a:p>
@@ -3468,7 +3307,7 @@
             <a:fld id="{1D8BD707-D9CF-40AE-B4C6-C98DA3205C09}" type="datetimeFigureOut">
               <a:rPr lang="en-US" smtClean="0"/>
               <a:pPr/>
-              <a:t>4/22/2025</a:t>
+              <a:t>5/5/2025</a:t>
             </a:fld>
             <a:endParaRPr lang="en-US"/>
           </a:p>
@@ -5352,7 +5191,7 @@
         </p:nvSpPr>
         <p:spPr>
           <a:xfrm>
-            <a:off x="3794996" y="2217652"/>
+            <a:off x="3794996" y="1882750"/>
             <a:ext cx="7014533" cy="7624653"/>
           </a:xfrm>
           <a:custGeom>
